--- a/14-Web Forms.pptx
+++ b/14-Web Forms.pptx
@@ -228,7 +228,7 @@
           <a:p>
             <a:fld id="{D9410851-135B-40D7-97B1-D76BA4B05515}" type="datetimeFigureOut">
               <a:rPr lang="en-US" smtClean="0"/>
-              <a:t>9/16/2015</a:t>
+              <a:t>09/16/2015</a:t>
             </a:fld>
             <a:endParaRPr lang="en-US"/>
           </a:p>
@@ -1147,11 +1147,7 @@
           <a:p>
             <a:r>
               <a:rPr lang="en-US" dirty="0" smtClean="0"/>
-              <a:t>Asp.NET Web </a:t>
-            </a:r>
-            <a:r>
-              <a:rPr lang="en-US" dirty="0" smtClean="0"/>
-              <a:t>Forms</a:t>
+              <a:t>Asp.NET Web Forms</a:t>
             </a:r>
             <a:r>
               <a:rPr lang="ru-RU" dirty="0"/>
@@ -1223,11 +1219,7 @@
           <a:p>
             <a:r>
               <a:rPr lang="bg-BG" dirty="0" smtClean="0"/>
-              <a:t>Демо </a:t>
-            </a:r>
-            <a:r>
-              <a:rPr lang="bg-BG" dirty="0" smtClean="0"/>
-              <a:t>–свойства на елементите</a:t>
+              <a:t>Демо –свойства на елементите</a:t>
             </a:r>
             <a:endParaRPr lang="en-US" dirty="0"/>
           </a:p>
@@ -1351,11 +1343,7 @@
           <a:p>
             <a:r>
               <a:rPr lang="bg-BG" dirty="0" smtClean="0"/>
-              <a:t>Как можем да създадем събитие „натискане на бутон</a:t>
-            </a:r>
-            <a:r>
-              <a:rPr lang="bg-BG" dirty="0" smtClean="0"/>
-              <a:t>“?</a:t>
+              <a:t>Как можем да създадем събитие „натискане на бутон“?</a:t>
             </a:r>
             <a:endParaRPr lang="bg-BG" sz="4000" dirty="0"/>
           </a:p>
@@ -1420,11 +1408,7 @@
           <a:p>
             <a:r>
               <a:rPr lang="bg-BG" dirty="0" smtClean="0"/>
-              <a:t>Демо - </a:t>
-            </a:r>
-            <a:r>
-              <a:rPr lang="bg-BG" dirty="0" smtClean="0"/>
-              <a:t>Бутони</a:t>
+              <a:t>Демо - Бутони</a:t>
             </a:r>
             <a:endParaRPr lang="en-US" dirty="0"/>
           </a:p>
@@ -1589,27 +1573,27 @@
                   </a:schemeClr>
                 </a:solidFill>
               </a:rPr>
-              <a:t> </a:t>
-            </a:r>
-            <a:r>
-              <a:rPr lang="en-US" sz="2800" dirty="0" smtClean="0">
+              <a:t> Visual Studio </a:t>
+            </a:r>
+            <a:r>
+              <a:rPr lang="bg-BG" sz="2800" dirty="0" smtClean="0">
                 <a:solidFill>
                   <a:schemeClr val="bg1">
                     <a:lumMod val="95000"/>
                   </a:schemeClr>
                 </a:solidFill>
               </a:rPr>
-              <a:t>Visual Studio </a:t>
-            </a:r>
-            <a:r>
-              <a:rPr lang="bg-BG" sz="2800" dirty="0" smtClean="0">
+              <a:t>проект с 1 страница. Нека във формата да има </a:t>
+            </a:r>
+            <a:r>
+              <a:rPr lang="en-US" sz="2800" dirty="0" smtClean="0">
                 <a:solidFill>
                   <a:schemeClr val="bg1">
                     <a:lumMod val="95000"/>
                   </a:schemeClr>
                 </a:solidFill>
               </a:rPr>
-              <a:t>проект с 1 </a:t>
+              <a:t>Label (</a:t>
             </a:r>
             <a:r>
               <a:rPr lang="bg-BG" sz="2800" dirty="0" smtClean="0">
@@ -1619,17 +1603,17 @@
                   </a:schemeClr>
                 </a:solidFill>
               </a:rPr>
-              <a:t>страница. </a:t>
-            </a:r>
-            <a:r>
-              <a:rPr lang="bg-BG" sz="2800" dirty="0" smtClean="0">
+              <a:t>текст), </a:t>
+            </a:r>
+            <a:r>
+              <a:rPr lang="en-US" sz="2800" dirty="0" err="1" smtClean="0">
                 <a:solidFill>
                   <a:schemeClr val="bg1">
                     <a:lumMod val="95000"/>
                   </a:schemeClr>
                 </a:solidFill>
               </a:rPr>
-              <a:t>Нека във формата да има </a:t>
+              <a:t>TextBox</a:t>
             </a:r>
             <a:r>
               <a:rPr lang="en-US" sz="2800" dirty="0" smtClean="0">
@@ -1639,7 +1623,7 @@
                   </a:schemeClr>
                 </a:solidFill>
               </a:rPr>
-              <a:t>Label (</a:t>
+              <a:t> (</a:t>
             </a:r>
             <a:r>
               <a:rPr lang="bg-BG" sz="2800" dirty="0" smtClean="0">
@@ -1649,77 +1633,27 @@
                   </a:schemeClr>
                 </a:solidFill>
               </a:rPr>
-              <a:t>текст), </a:t>
-            </a:r>
-            <a:r>
-              <a:rPr lang="en-US" sz="2800" dirty="0" err="1" smtClean="0">
+              <a:t>кутийка за попълване на текст) и </a:t>
+            </a:r>
+            <a:r>
+              <a:rPr lang="en-US" sz="2800" dirty="0" smtClean="0">
                 <a:solidFill>
                   <a:schemeClr val="bg1">
                     <a:lumMod val="95000"/>
                   </a:schemeClr>
                 </a:solidFill>
               </a:rPr>
-              <a:t>TextBox</a:t>
-            </a:r>
-            <a:r>
-              <a:rPr lang="en-US" sz="2800" dirty="0" smtClean="0">
+              <a:t>Button (</a:t>
+            </a:r>
+            <a:r>
+              <a:rPr lang="bg-BG" sz="2800" dirty="0" smtClean="0">
                 <a:solidFill>
                   <a:schemeClr val="bg1">
                     <a:lumMod val="95000"/>
                   </a:schemeClr>
                 </a:solidFill>
               </a:rPr>
-              <a:t> (</a:t>
-            </a:r>
-            <a:r>
-              <a:rPr lang="bg-BG" sz="2800" dirty="0" smtClean="0">
-                <a:solidFill>
-                  <a:schemeClr val="bg1">
-                    <a:lumMod val="95000"/>
-                  </a:schemeClr>
-                </a:solidFill>
-              </a:rPr>
-              <a:t>кутийка за попълване на текст) и </a:t>
-            </a:r>
-            <a:r>
-              <a:rPr lang="en-US" sz="2800" dirty="0" smtClean="0">
-                <a:solidFill>
-                  <a:schemeClr val="bg1">
-                    <a:lumMod val="95000"/>
-                  </a:schemeClr>
-                </a:solidFill>
-              </a:rPr>
-              <a:t>Button (</a:t>
-            </a:r>
-            <a:r>
-              <a:rPr lang="bg-BG" sz="2800" dirty="0" smtClean="0">
-                <a:solidFill>
-                  <a:schemeClr val="bg1">
-                    <a:lumMod val="95000"/>
-                  </a:schemeClr>
-                </a:solidFill>
-              </a:rPr>
-              <a:t>Бутон</a:t>
-            </a:r>
-            <a:r>
-              <a:rPr lang="bg-BG" sz="2800" dirty="0" smtClean="0">
-                <a:solidFill>
-                  <a:schemeClr val="bg1">
-                    <a:lumMod val="95000"/>
-                  </a:schemeClr>
-                </a:solidFill>
-              </a:rPr>
-              <a:t>). </a:t>
-            </a:r>
-            <a:r>
-              <a:rPr lang="bg-BG" sz="2800" dirty="0" smtClean="0">
-                <a:solidFill>
-                  <a:schemeClr val="bg1">
-                    <a:lumMod val="95000"/>
-                  </a:schemeClr>
-                </a:solidFill>
-              </a:rPr>
-              <a:t>При натискане на бутона, трябва текста в </a:t>
+              <a:t>Бутон). При натискане на бутона, трябва текста в </a:t>
             </a:r>
             <a:r>
               <a:rPr lang="en-US" sz="2800" dirty="0" smtClean="0">
@@ -1865,11 +1799,7 @@
           <a:p>
             <a:r>
               <a:rPr lang="bg-BG" dirty="0" smtClean="0"/>
-              <a:t>Други </a:t>
-            </a:r>
-            <a:r>
-              <a:rPr lang="bg-BG" dirty="0" smtClean="0"/>
-              <a:t>събития и свойства</a:t>
+              <a:t>Други събития и свойства</a:t>
             </a:r>
             <a:endParaRPr lang="en-US" dirty="0"/>
           </a:p>
@@ -1924,7 +1854,6 @@
               <a:rPr lang="en-US" dirty="0" smtClean="0"/>
               <a:t>Visible</a:t>
             </a:r>
-            <a:endParaRPr lang="en-US" dirty="0" smtClean="0"/>
           </a:p>
           <a:p>
             <a:pPr marL="0" indent="0">
@@ -1986,11 +1915,7 @@
           <a:p>
             <a:r>
               <a:rPr lang="bg-BG" dirty="0" smtClean="0"/>
-              <a:t>Демо </a:t>
-            </a:r>
-            <a:r>
-              <a:rPr lang="bg-BG" dirty="0" smtClean="0"/>
-              <a:t>– други събития и свойства</a:t>
+              <a:t>Демо – други събития и свойства</a:t>
             </a:r>
             <a:endParaRPr lang="en-US" dirty="0"/>
           </a:p>
@@ -2089,11 +2014,7 @@
           <a:p>
             <a:r>
               <a:rPr lang="bg-BG" dirty="0" smtClean="0"/>
-              <a:t>Демо </a:t>
-            </a:r>
-            <a:r>
-              <a:rPr lang="bg-BG" dirty="0" smtClean="0"/>
-              <a:t>– пренасочване към друга страница</a:t>
+              <a:t>Демо – пренасочване към друга страница</a:t>
             </a:r>
             <a:endParaRPr lang="en-US" dirty="0"/>
           </a:p>
@@ -2872,7 +2793,7 @@
         </p:spPr>
         <p:txBody>
           <a:bodyPr>
-            <a:normAutofit/>
+            <a:normAutofit lnSpcReduction="10000"/>
           </a:bodyPr>
           <a:lstStyle/>
           <a:p>
@@ -2897,47 +2818,7 @@
                   </a:schemeClr>
                 </a:solidFill>
               </a:rPr>
-              <a:t>приложение </a:t>
-            </a:r>
-            <a:r>
-              <a:rPr lang="bg-BG" sz="2000" dirty="0" smtClean="0">
-                <a:solidFill>
-                  <a:schemeClr val="bg1">
-                    <a:lumMod val="95000"/>
-                  </a:schemeClr>
-                </a:solidFill>
-              </a:rPr>
-              <a:t>с 1 </a:t>
-            </a:r>
-            <a:r>
-              <a:rPr lang="bg-BG" sz="2000" dirty="0" smtClean="0">
-                <a:solidFill>
-                  <a:schemeClr val="bg1">
-                    <a:lumMod val="95000"/>
-                  </a:schemeClr>
-                </a:solidFill>
-              </a:rPr>
-              <a:t>страница</a:t>
-            </a:r>
-            <a:r>
-              <a:rPr lang="bg-BG" sz="2000" dirty="0" smtClean="0">
-                <a:solidFill>
-                  <a:schemeClr val="bg1">
-                    <a:lumMod val="95000"/>
-                  </a:schemeClr>
-                </a:solidFill>
-              </a:rPr>
-              <a:t>. </a:t>
-            </a:r>
-            <a:r>
-              <a:rPr lang="bg-BG" sz="2000" dirty="0" smtClean="0">
-                <a:solidFill>
-                  <a:schemeClr val="bg1">
-                    <a:lumMod val="95000"/>
-                  </a:schemeClr>
-                </a:solidFill>
-              </a:rPr>
-              <a:t>Нека на тази форма да има съответните </a:t>
+              <a:t>приложение с 1 страница. Нека на тази форма да има съответните </a:t>
             </a:r>
             <a:r>
               <a:rPr lang="en-US" sz="2000" dirty="0" smtClean="0">
@@ -3135,6 +3016,14 @@
               <a:buNone/>
             </a:pPr>
             <a:r>
+              <a:rPr lang="bg-BG" dirty="0" smtClean="0">
+                <a:solidFill>
+                  <a:srgbClr val="FF0000"/>
+                </a:solidFill>
+              </a:rPr>
+              <a:t>*</a:t>
+            </a:r>
+            <a:r>
               <a:rPr lang="bg-BG" sz="2000" dirty="0" smtClean="0">
                 <a:solidFill>
                   <a:schemeClr val="bg1">
@@ -3142,7 +3031,7 @@
                   </a:schemeClr>
                 </a:solidFill>
               </a:rPr>
-              <a:t>*Направете </a:t>
+              <a:t>Направете </a:t>
             </a:r>
             <a:r>
               <a:rPr lang="en-US" sz="2000" dirty="0" smtClean="0">
@@ -3185,14 +3074,24 @@
               <a:t> </a:t>
             </a:r>
             <a:r>
-              <a:rPr lang="bg-BG" sz="2000" smtClean="0">
+              <a:rPr lang="bg-BG" sz="2000" dirty="0" err="1" smtClean="0">
                 <a:solidFill>
                   <a:schemeClr val="bg1">
                     <a:lumMod val="95000"/>
                   </a:schemeClr>
                 </a:solidFill>
               </a:rPr>
-              <a:t>валидатор за всяко едно от полетата на страницата.</a:t>
+              <a:t>валидатор</a:t>
+            </a:r>
+            <a:r>
+              <a:rPr lang="bg-BG" sz="2000" dirty="0" smtClean="0">
+                <a:solidFill>
+                  <a:schemeClr val="bg1">
+                    <a:lumMod val="95000"/>
+                  </a:schemeClr>
+                </a:solidFill>
+              </a:rPr>
+              <a:t> за всяко едно от полетата на страницата.</a:t>
             </a:r>
             <a:endParaRPr lang="en-US" sz="2000" dirty="0" smtClean="0">
               <a:solidFill>
@@ -3307,19 +3206,7 @@
           <a:p>
             <a:r>
               <a:rPr lang="bg-BG" dirty="0" smtClean="0"/>
-              <a:t>Как </a:t>
-            </a:r>
-            <a:r>
-              <a:rPr lang="bg-BG" dirty="0" smtClean="0"/>
-              <a:t>да </a:t>
-            </a:r>
-            <a:r>
-              <a:rPr lang="bg-BG" dirty="0" smtClean="0"/>
-              <a:t>създадем страница</a:t>
-            </a:r>
-            <a:r>
-              <a:rPr lang="bg-BG" dirty="0" smtClean="0"/>
-              <a:t>?</a:t>
+              <a:t>Как да създадем страница?</a:t>
             </a:r>
             <a:endParaRPr lang="en-US" dirty="0" smtClean="0"/>
           </a:p>
@@ -3335,6 +3222,13 @@
   <p:clrMapOvr>
     <a:masterClrMapping/>
   </p:clrMapOvr>
+  <p:timing>
+    <p:tnLst>
+      <p:par>
+        <p:cTn id="1" dur="indefinite" restart="never" nodeType="tmRoot"/>
+      </p:par>
+    </p:tnLst>
+  </p:timing>
 </p:sld>
 </file>
 
@@ -3618,11 +3512,7 @@
           <a:p>
             <a:r>
               <a:rPr lang="bg-BG" dirty="0" smtClean="0"/>
-              <a:t>Най-често използвани </a:t>
-            </a:r>
-            <a:r>
-              <a:rPr lang="bg-BG" dirty="0" smtClean="0"/>
-              <a:t>тагове във уеб страниците</a:t>
+              <a:t>Най-често използвани тагове във уеб страниците</a:t>
             </a:r>
             <a:endParaRPr lang="en-US" dirty="0"/>
           </a:p>
@@ -3762,11 +3652,7 @@
           <a:p>
             <a:r>
               <a:rPr lang="bg-BG" dirty="0" smtClean="0"/>
-              <a:t>Най-често </a:t>
-            </a:r>
-            <a:r>
-              <a:rPr lang="bg-BG" dirty="0" smtClean="0"/>
-              <a:t>използвани</a:t>
+              <a:t>Най-често използвани</a:t>
             </a:r>
             <a:r>
               <a:rPr lang="en-US" dirty="0" smtClean="0"/>
@@ -3907,11 +3793,7 @@
           <a:p>
             <a:r>
               <a:rPr lang="bg-BG" dirty="0" smtClean="0"/>
-              <a:t>Демо добавяне на </a:t>
-            </a:r>
-            <a:r>
-              <a:rPr lang="bg-BG" dirty="0" smtClean="0"/>
-              <a:t>елементи върху уеб страница</a:t>
+              <a:t>Демо добавяне на елементи върху уеб страница</a:t>
             </a:r>
             <a:endParaRPr lang="en-US" dirty="0"/>
           </a:p>
@@ -4017,11 +3899,7 @@
           <a:p>
             <a:r>
               <a:rPr lang="bg-BG" dirty="0" smtClean="0"/>
-              <a:t>Свойства на </a:t>
-            </a:r>
-            <a:r>
-              <a:rPr lang="bg-BG" dirty="0" smtClean="0"/>
-              <a:t>уеб елементите</a:t>
+              <a:t>Свойства на уеб елементите</a:t>
             </a:r>
             <a:endParaRPr lang="en-US" dirty="0"/>
           </a:p>
@@ -4049,26 +3927,13 @@
           <a:p>
             <a:r>
               <a:rPr lang="bg-BG" dirty="0" smtClean="0"/>
-              <a:t>От къде да променим свойствата на </a:t>
-            </a:r>
+              <a:t>От къде да променим свойствата на всеки един елемент в нашата страница?</a:t>
+            </a:r>
+          </a:p>
+          <a:p>
             <a:r>
               <a:rPr lang="bg-BG" dirty="0" smtClean="0"/>
-              <a:t>всеки един елемент в нашата страница?</a:t>
-            </a:r>
-            <a:endParaRPr lang="bg-BG" dirty="0" smtClean="0"/>
-          </a:p>
-          <a:p>
-            <a:r>
-              <a:rPr lang="bg-BG" dirty="0" smtClean="0"/>
-              <a:t>Различните </a:t>
-            </a:r>
-            <a:r>
-              <a:rPr lang="bg-BG" dirty="0" smtClean="0"/>
-              <a:t>елементи имат </a:t>
-            </a:r>
-            <a:r>
-              <a:rPr lang="bg-BG" dirty="0" smtClean="0"/>
-              <a:t>различни свойства, които могат да бъдат променяни.</a:t>
+              <a:t>Различните елементи имат различни свойства, които могат да бъдат променяни.</a:t>
             </a:r>
             <a:endParaRPr lang="en-US" dirty="0"/>
           </a:p>

--- a/14-Web Forms.pptx
+++ b/14-Web Forms.pptx
@@ -228,7 +228,7 @@
           <a:p>
             <a:fld id="{D9410851-135B-40D7-97B1-D76BA4B05515}" type="datetimeFigureOut">
               <a:rPr lang="en-US" smtClean="0"/>
-              <a:t>09/16/2015</a:t>
+              <a:t>1/25/2017</a:t>
             </a:fld>
             <a:endParaRPr lang="en-US"/>
           </a:p>
@@ -1841,9 +1841,10 @@
               <a:t>Свойство </a:t>
             </a:r>
             <a:r>
-              <a:rPr lang="en-US" dirty="0" smtClean="0"/>
-              <a:t>Active</a:t>
-            </a:r>
+              <a:rPr lang="en-US" smtClean="0"/>
+              <a:t>Enabled</a:t>
+            </a:r>
+            <a:endParaRPr lang="en-US" dirty="0" smtClean="0"/>
           </a:p>
           <a:p>
             <a:r>
@@ -2946,13 +2947,6 @@
               </a:rPr>
               <a:t>E-mail</a:t>
             </a:r>
-            <a:endParaRPr lang="en-US" sz="2000" dirty="0" smtClean="0">
-              <a:solidFill>
-                <a:schemeClr val="bg1">
-                  <a:lumMod val="95000"/>
-                </a:schemeClr>
-              </a:solidFill>
-            </a:endParaRPr>
           </a:p>
           <a:p>
             <a:pPr algn="just"/>
